--- a/presentazioni/G08_T06_IT02.pptx
+++ b/presentazioni/G08_T06_IT02.pptx
@@ -205,7 +205,7 @@
           <a:p>
             <a:fld id="{F00E9F25-25A0-3645-A732-7734B93B7D1A}" type="datetimeFigureOut">
               <a:rPr lang="it-IT" smtClean="0"/>
-              <a:t>07/05/2023</a:t>
+              <a:t>08/05/2023</a:t>
             </a:fld>
             <a:endParaRPr lang="it-IT"/>
           </a:p>
@@ -619,7 +619,7 @@
           <a:p>
             <a:fld id="{D6426C08-EC1E-6340-AF64-44582E9F17F5}" type="datetimeFigureOut">
               <a:rPr lang="it-IT" smtClean="0"/>
-              <a:t>07/05/2023</a:t>
+              <a:t>08/05/2023</a:t>
             </a:fld>
             <a:endParaRPr lang="it-IT"/>
           </a:p>
@@ -817,7 +817,7 @@
           <a:p>
             <a:fld id="{D6426C08-EC1E-6340-AF64-44582E9F17F5}" type="datetimeFigureOut">
               <a:rPr lang="it-IT" smtClean="0"/>
-              <a:t>07/05/2023</a:t>
+              <a:t>08/05/2023</a:t>
             </a:fld>
             <a:endParaRPr lang="it-IT"/>
           </a:p>
@@ -1025,7 +1025,7 @@
           <a:p>
             <a:fld id="{D6426C08-EC1E-6340-AF64-44582E9F17F5}" type="datetimeFigureOut">
               <a:rPr lang="it-IT" smtClean="0"/>
-              <a:t>07/05/2023</a:t>
+              <a:t>08/05/2023</a:t>
             </a:fld>
             <a:endParaRPr lang="it-IT"/>
           </a:p>
@@ -1223,7 +1223,7 @@
           <a:p>
             <a:fld id="{D6426C08-EC1E-6340-AF64-44582E9F17F5}" type="datetimeFigureOut">
               <a:rPr lang="it-IT" smtClean="0"/>
-              <a:t>07/05/2023</a:t>
+              <a:t>08/05/2023</a:t>
             </a:fld>
             <a:endParaRPr lang="it-IT"/>
           </a:p>
@@ -1498,7 +1498,7 @@
           <a:p>
             <a:fld id="{D6426C08-EC1E-6340-AF64-44582E9F17F5}" type="datetimeFigureOut">
               <a:rPr lang="it-IT" smtClean="0"/>
-              <a:t>07/05/2023</a:t>
+              <a:t>08/05/2023</a:t>
             </a:fld>
             <a:endParaRPr lang="it-IT"/>
           </a:p>
@@ -1763,7 +1763,7 @@
           <a:p>
             <a:fld id="{D6426C08-EC1E-6340-AF64-44582E9F17F5}" type="datetimeFigureOut">
               <a:rPr lang="it-IT" smtClean="0"/>
-              <a:t>07/05/2023</a:t>
+              <a:t>08/05/2023</a:t>
             </a:fld>
             <a:endParaRPr lang="it-IT"/>
           </a:p>
@@ -2175,7 +2175,7 @@
           <a:p>
             <a:fld id="{D6426C08-EC1E-6340-AF64-44582E9F17F5}" type="datetimeFigureOut">
               <a:rPr lang="it-IT" smtClean="0"/>
-              <a:t>07/05/2023</a:t>
+              <a:t>08/05/2023</a:t>
             </a:fld>
             <a:endParaRPr lang="it-IT"/>
           </a:p>
@@ -2316,7 +2316,7 @@
           <a:p>
             <a:fld id="{D6426C08-EC1E-6340-AF64-44582E9F17F5}" type="datetimeFigureOut">
               <a:rPr lang="it-IT" smtClean="0"/>
-              <a:t>07/05/2023</a:t>
+              <a:t>08/05/2023</a:t>
             </a:fld>
             <a:endParaRPr lang="it-IT"/>
           </a:p>
@@ -2429,7 +2429,7 @@
           <a:p>
             <a:fld id="{D6426C08-EC1E-6340-AF64-44582E9F17F5}" type="datetimeFigureOut">
               <a:rPr lang="it-IT" smtClean="0"/>
-              <a:t>07/05/2023</a:t>
+              <a:t>08/05/2023</a:t>
             </a:fld>
             <a:endParaRPr lang="it-IT"/>
           </a:p>
@@ -2740,7 +2740,7 @@
           <a:p>
             <a:fld id="{D6426C08-EC1E-6340-AF64-44582E9F17F5}" type="datetimeFigureOut">
               <a:rPr lang="it-IT" smtClean="0"/>
-              <a:t>07/05/2023</a:t>
+              <a:t>08/05/2023</a:t>
             </a:fld>
             <a:endParaRPr lang="it-IT"/>
           </a:p>
@@ -3028,7 +3028,7 @@
           <a:p>
             <a:fld id="{D6426C08-EC1E-6340-AF64-44582E9F17F5}" type="datetimeFigureOut">
               <a:rPr lang="it-IT" smtClean="0"/>
-              <a:t>07/05/2023</a:t>
+              <a:t>08/05/2023</a:t>
             </a:fld>
             <a:endParaRPr lang="it-IT"/>
           </a:p>
@@ -3269,7 +3269,7 @@
           <a:p>
             <a:fld id="{D6426C08-EC1E-6340-AF64-44582E9F17F5}" type="datetimeFigureOut">
               <a:rPr lang="it-IT" smtClean="0"/>
-              <a:t>07/05/2023</a:t>
+              <a:t>08/05/2023</a:t>
             </a:fld>
             <a:endParaRPr lang="it-IT"/>
           </a:p>
@@ -11708,8 +11708,8 @@
         </p:nvSpPr>
         <p:spPr>
           <a:xfrm>
-            <a:off x="523160" y="188145"/>
-            <a:ext cx="10515600" cy="942527"/>
+            <a:off x="365843" y="455317"/>
+            <a:ext cx="4783426" cy="1748810"/>
           </a:xfrm>
           <a:prstGeom prst="rect">
             <a:avLst/>
@@ -11739,6 +11739,7 @@
             </a:lvl1pPr>
           </a:lstStyle>
           <a:p>
+            <a:pPr algn="ctr"/>
             <a:r>
               <a:rPr lang="it-IT" sz="5400" b="1" dirty="0" err="1"/>
               <a:t>Sequence</a:t>
@@ -11776,12 +11777,24 @@
         </p:blipFill>
         <p:spPr>
           <a:xfrm>
-            <a:off x="269358" y="1531374"/>
-            <a:ext cx="6701937" cy="4731775"/>
+            <a:off x="5011618" y="460351"/>
+            <a:ext cx="7084090" cy="5001587"/>
           </a:xfrm>
           <a:prstGeom prst="rect">
             <a:avLst/>
           </a:prstGeom>
+          <a:ln w="12700">
+            <a:solidFill>
+              <a:schemeClr val="tx1"/>
+            </a:solidFill>
+          </a:ln>
+          <a:effectLst>
+            <a:outerShdw blurRad="50800" dist="38100" dir="2700000" algn="tl" rotWithShape="0">
+              <a:prstClr val="black">
+                <a:alpha val="40000"/>
+              </a:prstClr>
+            </a:outerShdw>
+          </a:effectLst>
         </p:spPr>
       </p:pic>
       <p:pic>
@@ -11800,17 +11813,29 @@
         </p:nvPicPr>
         <p:blipFill rotWithShape="1">
           <a:blip r:embed="rId2"/>
-          <a:srcRect l="18839" t="59355" b="5896"/>
+          <a:srcRect l="20953" t="59355" r="2305" b="5896"/>
           <a:stretch/>
         </p:blipFill>
         <p:spPr>
           <a:xfrm>
-            <a:off x="6597445" y="2444546"/>
-            <a:ext cx="5411078" cy="2742546"/>
+            <a:off x="206476" y="2961144"/>
+            <a:ext cx="6420465" cy="3441538"/>
           </a:xfrm>
           <a:prstGeom prst="rect">
             <a:avLst/>
           </a:prstGeom>
+          <a:ln w="12700">
+            <a:solidFill>
+              <a:schemeClr val="tx1"/>
+            </a:solidFill>
+          </a:ln>
+          <a:effectLst>
+            <a:outerShdw blurRad="50800" dist="38100" dir="2700000" algn="tl" rotWithShape="0">
+              <a:prstClr val="black">
+                <a:alpha val="40000"/>
+              </a:prstClr>
+            </a:outerShdw>
+          </a:effectLst>
         </p:spPr>
       </p:pic>
     </p:spTree>
@@ -12117,6 +12142,36 @@
           </a:p>
         </p:txBody>
       </p:sp>
+      <p:pic>
+        <p:nvPicPr>
+          <p:cNvPr id="3" name="Immagine 2">
+            <a:extLst>
+              <a:ext uri="{FF2B5EF4-FFF2-40B4-BE49-F238E27FC236}">
+                <a16:creationId xmlns:a16="http://schemas.microsoft.com/office/drawing/2014/main" id="{096EC9B0-188F-5DBD-166A-2D8775156C90}"/>
+              </a:ext>
+            </a:extLst>
+          </p:cNvPr>
+          <p:cNvPicPr>
+            <a:picLocks noChangeAspect="1"/>
+          </p:cNvPicPr>
+          <p:nvPr/>
+        </p:nvPicPr>
+        <p:blipFill>
+          <a:blip r:embed="rId2"/>
+          <a:stretch>
+            <a:fillRect/>
+          </a:stretch>
+        </p:blipFill>
+        <p:spPr>
+          <a:xfrm>
+            <a:off x="869034" y="942527"/>
+            <a:ext cx="10799806" cy="5727328"/>
+          </a:xfrm>
+          <a:prstGeom prst="rect">
+            <a:avLst/>
+          </a:prstGeom>
+        </p:spPr>
+      </p:pic>
     </p:spTree>
     <p:extLst>
       <p:ext uri="{BB962C8B-B14F-4D97-AF65-F5344CB8AC3E}">
@@ -12883,15 +12938,6 @@
 </file>
 
 <file path=customXml/item1.xml><?xml version="1.0" encoding="utf-8"?>
-<?mso-contentType ?>
-<FormTemplates xmlns="http://schemas.microsoft.com/sharepoint/v3/contenttype/forms">
-  <Display>DocumentLibraryForm</Display>
-  <Edit>DocumentLibraryForm</Edit>
-  <New>DocumentLibraryForm</New>
-</FormTemplates>
-</file>
-
-<file path=customXml/item2.xml><?xml version="1.0" encoding="utf-8"?>
 <ct:contentTypeSchema xmlns:ct="http://schemas.microsoft.com/office/2006/metadata/contentType" xmlns:ma="http://schemas.microsoft.com/office/2006/metadata/properties/metaAttributes" ct:_="" ma:_="" ma:contentTypeName="Document" ma:contentTypeID="0x01010068AA2C624A904A418DF9199DDF34D9F6" ma:contentTypeVersion="12" ma:contentTypeDescription="Create a new document." ma:contentTypeScope="" ma:versionID="02586a1676971809a4d09a114380c9f8">
   <xsd:schema xmlns:xsd="http://www.w3.org/2001/XMLSchema" xmlns:xs="http://www.w3.org/2001/XMLSchema" xmlns:p="http://schemas.microsoft.com/office/2006/metadata/properties" xmlns:ns3="8010330b-3f0c-4c7a-b20e-29bdaebfadf4" xmlns:ns4="b28cbbf2-4894-42be-84f1-f4bf5d911dfa" targetNamespace="http://schemas.microsoft.com/office/2006/metadata/properties" ma:root="true" ma:fieldsID="a3cd95f7fc4af2342002e87238c3ebb3" ns3:_="" ns4:_="">
     <xsd:import namespace="8010330b-3f0c-4c7a-b20e-29bdaebfadf4"/>
@@ -13108,6 +13154,15 @@
 </ct:contentTypeSchema>
 </file>
 
+<file path=customXml/item2.xml><?xml version="1.0" encoding="utf-8"?>
+<?mso-contentType ?>
+<FormTemplates xmlns="http://schemas.microsoft.com/sharepoint/v3/contenttype/forms">
+  <Display>DocumentLibraryForm</Display>
+  <Edit>DocumentLibraryForm</Edit>
+  <New>DocumentLibraryForm</New>
+</FormTemplates>
+</file>
+
 <file path=customXml/item3.xml><?xml version="1.0" encoding="utf-8"?>
 <p:properties xmlns:p="http://schemas.microsoft.com/office/2006/metadata/properties" xmlns:xsi="http://www.w3.org/2001/XMLSchema-instance" xmlns:pc="http://schemas.microsoft.com/office/infopath/2007/PartnerControls">
   <documentManagement>
@@ -13117,14 +13172,6 @@
 </file>
 
 <file path=customXml/itemProps1.xml><?xml version="1.0" encoding="utf-8"?>
-<ds:datastoreItem xmlns:ds="http://schemas.openxmlformats.org/officeDocument/2006/customXml" ds:itemID="{83EE6101-231E-4DF8-8297-9BA81BC961CE}">
-  <ds:schemaRefs>
-    <ds:schemaRef ds:uri="http://schemas.microsoft.com/sharepoint/v3/contenttype/forms"/>
-  </ds:schemaRefs>
-</ds:datastoreItem>
-</file>
-
-<file path=customXml/itemProps2.xml><?xml version="1.0" encoding="utf-8"?>
 <ds:datastoreItem xmlns:ds="http://schemas.openxmlformats.org/officeDocument/2006/customXml" ds:itemID="{4C482270-77D6-4249-91CC-5BC762A6BFB9}">
   <ds:schemaRefs>
     <ds:schemaRef ds:uri="8010330b-3f0c-4c7a-b20e-29bdaebfadf4"/>
@@ -13139,6 +13186,14 @@
     <ds:schemaRef ds:uri="http://schemas.microsoft.com/office/infopath/2007/PartnerControls"/>
     <ds:schemaRef ds:uri="http://schemas.openxmlformats.org/package/2006/metadata/core-properties"/>
     <ds:schemaRef ds:uri="http://www.w3.org/2001/XMLSchema"/>
+  </ds:schemaRefs>
+</ds:datastoreItem>
+</file>
+
+<file path=customXml/itemProps2.xml><?xml version="1.0" encoding="utf-8"?>
+<ds:datastoreItem xmlns:ds="http://schemas.openxmlformats.org/officeDocument/2006/customXml" ds:itemID="{83EE6101-231E-4DF8-8297-9BA81BC961CE}">
+  <ds:schemaRefs>
+    <ds:schemaRef ds:uri="http://schemas.microsoft.com/sharepoint/v3/contenttype/forms"/>
   </ds:schemaRefs>
 </ds:datastoreItem>
 </file>
